--- a/img/figures.pptx
+++ b/img/figures.pptx
@@ -175,7 +175,7 @@
 <file path=ppt/revisionInfo.xml><?xml version="1.0" encoding="utf-8"?>
 <p1510:revInfo xmlns:a="http://schemas.openxmlformats.org/drawingml/2006/main" xmlns:r="http://schemas.openxmlformats.org/officeDocument/2006/relationships" xmlns:p1510="http://schemas.microsoft.com/office/powerpoint/2015/10/main">
   <p1510:revLst>
-    <p1510:client id="{E69131D6-6ADD-449A-B530-A2E10AE21C66}" v="70" dt="2020-08-25T06:16:19.948"/>
+    <p1510:client id="{C50C0340-9D05-4351-A10E-E9E898F224FB}" v="14" dt="2020-08-27T14:39:45.267"/>
   </p1510:revLst>
 </p1510:revInfo>
 </file>
@@ -3549,6 +3549,195 @@
       </pc:sldMasterChg>
     </pc:docChg>
   </pc:docChgLst>
+  <pc:docChgLst>
+    <pc:chgData name="Lu, Hao" userId="a9b15683-2ecf-45f9-ae62-2515e77a514d" providerId="ADAL" clId="{C50C0340-9D05-4351-A10E-E9E898F224FB}"/>
+    <pc:docChg chg="custSel modSld">
+      <pc:chgData name="Lu, Hao" userId="a9b15683-2ecf-45f9-ae62-2515e77a514d" providerId="ADAL" clId="{C50C0340-9D05-4351-A10E-E9E898F224FB}" dt="2020-08-27T14:39:57.833" v="56" actId="22"/>
+      <pc:docMkLst>
+        <pc:docMk/>
+      </pc:docMkLst>
+      <pc:sldChg chg="addSp delSp modSp mod">
+        <pc:chgData name="Lu, Hao" userId="a9b15683-2ecf-45f9-ae62-2515e77a514d" providerId="ADAL" clId="{C50C0340-9D05-4351-A10E-E9E898F224FB}" dt="2020-08-27T14:02:02.052" v="36" actId="164"/>
+        <pc:sldMkLst>
+          <pc:docMk/>
+          <pc:sldMk cId="3068505940" sldId="256"/>
+        </pc:sldMkLst>
+        <pc:spChg chg="add del mod">
+          <ac:chgData name="Lu, Hao" userId="a9b15683-2ecf-45f9-ae62-2515e77a514d" providerId="ADAL" clId="{C50C0340-9D05-4351-A10E-E9E898F224FB}" dt="2020-08-27T14:00:20.927" v="2" actId="478"/>
+          <ac:spMkLst>
+            <pc:docMk/>
+            <pc:sldMk cId="3068505940" sldId="256"/>
+            <ac:spMk id="2" creationId="{AB6D48B9-A796-4766-83E0-4C34AC2340C0}"/>
+          </ac:spMkLst>
+        </pc:spChg>
+        <pc:spChg chg="add mod">
+          <ac:chgData name="Lu, Hao" userId="a9b15683-2ecf-45f9-ae62-2515e77a514d" providerId="ADAL" clId="{C50C0340-9D05-4351-A10E-E9E898F224FB}" dt="2020-08-27T14:02:02.052" v="36" actId="164"/>
+          <ac:spMkLst>
+            <pc:docMk/>
+            <pc:sldMk cId="3068505940" sldId="256"/>
+            <ac:spMk id="3" creationId="{70B364F5-242D-40A9-8D3A-44D3B2FB9103}"/>
+          </ac:spMkLst>
+        </pc:spChg>
+        <pc:spChg chg="add mod">
+          <ac:chgData name="Lu, Hao" userId="a9b15683-2ecf-45f9-ae62-2515e77a514d" providerId="ADAL" clId="{C50C0340-9D05-4351-A10E-E9E898F224FB}" dt="2020-08-27T14:02:02.052" v="36" actId="164"/>
+          <ac:spMkLst>
+            <pc:docMk/>
+            <pc:sldMk cId="3068505940" sldId="256"/>
+            <ac:spMk id="4" creationId="{1A284041-8F1E-4568-8E2F-3C1B43CE2810}"/>
+          </ac:spMkLst>
+        </pc:spChg>
+        <pc:spChg chg="add mod">
+          <ac:chgData name="Lu, Hao" userId="a9b15683-2ecf-45f9-ae62-2515e77a514d" providerId="ADAL" clId="{C50C0340-9D05-4351-A10E-E9E898F224FB}" dt="2020-08-27T14:02:02.052" v="36" actId="164"/>
+          <ac:spMkLst>
+            <pc:docMk/>
+            <pc:sldMk cId="3068505940" sldId="256"/>
+            <ac:spMk id="6" creationId="{3CE92F3F-0A32-4978-956B-539E87FE0288}"/>
+          </ac:spMkLst>
+        </pc:spChg>
+        <pc:spChg chg="add mod">
+          <ac:chgData name="Lu, Hao" userId="a9b15683-2ecf-45f9-ae62-2515e77a514d" providerId="ADAL" clId="{C50C0340-9D05-4351-A10E-E9E898F224FB}" dt="2020-08-27T14:02:02.052" v="36" actId="164"/>
+          <ac:spMkLst>
+            <pc:docMk/>
+            <pc:sldMk cId="3068505940" sldId="256"/>
+            <ac:spMk id="8" creationId="{6403F521-3A9C-4FFC-8D8D-FEE9E6A35014}"/>
+          </ac:spMkLst>
+        </pc:spChg>
+        <pc:spChg chg="add mod">
+          <ac:chgData name="Lu, Hao" userId="a9b15683-2ecf-45f9-ae62-2515e77a514d" providerId="ADAL" clId="{C50C0340-9D05-4351-A10E-E9E898F224FB}" dt="2020-08-27T14:02:02.052" v="36" actId="164"/>
+          <ac:spMkLst>
+            <pc:docMk/>
+            <pc:sldMk cId="3068505940" sldId="256"/>
+            <ac:spMk id="18" creationId="{1EFF0977-BA5D-48C0-8504-3CC2F894DB03}"/>
+          </ac:spMkLst>
+        </pc:spChg>
+        <pc:spChg chg="add mod">
+          <ac:chgData name="Lu, Hao" userId="a9b15683-2ecf-45f9-ae62-2515e77a514d" providerId="ADAL" clId="{C50C0340-9D05-4351-A10E-E9E898F224FB}" dt="2020-08-27T14:02:02.052" v="36" actId="164"/>
+          <ac:spMkLst>
+            <pc:docMk/>
+            <pc:sldMk cId="3068505940" sldId="256"/>
+            <ac:spMk id="20" creationId="{925F45EE-0CD4-4BAA-A04D-4695DE0816F5}"/>
+          </ac:spMkLst>
+        </pc:spChg>
+        <pc:grpChg chg="mod">
+          <ac:chgData name="Lu, Hao" userId="a9b15683-2ecf-45f9-ae62-2515e77a514d" providerId="ADAL" clId="{C50C0340-9D05-4351-A10E-E9E898F224FB}" dt="2020-08-27T14:02:02.052" v="36" actId="164"/>
+          <ac:grpSpMkLst>
+            <pc:docMk/>
+            <pc:sldMk cId="3068505940" sldId="256"/>
+            <ac:grpSpMk id="13" creationId="{EC685E69-83C6-4F48-8387-498A7CB92238}"/>
+          </ac:grpSpMkLst>
+        </pc:grpChg>
+        <pc:grpChg chg="add mod">
+          <ac:chgData name="Lu, Hao" userId="a9b15683-2ecf-45f9-ae62-2515e77a514d" providerId="ADAL" clId="{C50C0340-9D05-4351-A10E-E9E898F224FB}" dt="2020-08-27T14:02:02.052" v="36" actId="164"/>
+          <ac:grpSpMkLst>
+            <pc:docMk/>
+            <pc:sldMk cId="3068505940" sldId="256"/>
+            <ac:grpSpMk id="21" creationId="{067A8BC0-1D1E-47CF-85F1-888B193B3EEE}"/>
+          </ac:grpSpMkLst>
+        </pc:grpChg>
+      </pc:sldChg>
+      <pc:sldChg chg="addSp delSp mod">
+        <pc:chgData name="Lu, Hao" userId="a9b15683-2ecf-45f9-ae62-2515e77a514d" providerId="ADAL" clId="{C50C0340-9D05-4351-A10E-E9E898F224FB}" dt="2020-08-27T14:02:10.152" v="38" actId="22"/>
+        <pc:sldMkLst>
+          <pc:docMk/>
+          <pc:sldMk cId="1512902478" sldId="257"/>
+        </pc:sldMkLst>
+        <pc:picChg chg="add">
+          <ac:chgData name="Lu, Hao" userId="a9b15683-2ecf-45f9-ae62-2515e77a514d" providerId="ADAL" clId="{C50C0340-9D05-4351-A10E-E9E898F224FB}" dt="2020-08-27T14:02:10.152" v="38" actId="22"/>
+          <ac:picMkLst>
+            <pc:docMk/>
+            <pc:sldMk cId="1512902478" sldId="257"/>
+            <ac:picMk id="3" creationId="{929339A2-9751-471E-A8AA-88389350F8EA}"/>
+          </ac:picMkLst>
+        </pc:picChg>
+        <pc:picChg chg="del">
+          <ac:chgData name="Lu, Hao" userId="a9b15683-2ecf-45f9-ae62-2515e77a514d" providerId="ADAL" clId="{C50C0340-9D05-4351-A10E-E9E898F224FB}" dt="2020-08-27T14:02:08.734" v="37" actId="478"/>
+          <ac:picMkLst>
+            <pc:docMk/>
+            <pc:sldMk cId="1512902478" sldId="257"/>
+            <ac:picMk id="5" creationId="{49DE22B9-01C6-4AC7-B71F-13C3630657FD}"/>
+          </ac:picMkLst>
+        </pc:picChg>
+      </pc:sldChg>
+      <pc:sldChg chg="addSp delSp modSp mod">
+        <pc:chgData name="Lu, Hao" userId="a9b15683-2ecf-45f9-ae62-2515e77a514d" providerId="ADAL" clId="{C50C0340-9D05-4351-A10E-E9E898F224FB}" dt="2020-08-27T14:39:50.044" v="54" actId="1076"/>
+        <pc:sldMkLst>
+          <pc:docMk/>
+          <pc:sldMk cId="2563735501" sldId="267"/>
+        </pc:sldMkLst>
+        <pc:graphicFrameChg chg="del">
+          <ac:chgData name="Lu, Hao" userId="a9b15683-2ecf-45f9-ae62-2515e77a514d" providerId="ADAL" clId="{C50C0340-9D05-4351-A10E-E9E898F224FB}" dt="2020-08-27T14:39:00.848" v="39" actId="478"/>
+          <ac:graphicFrameMkLst>
+            <pc:docMk/>
+            <pc:sldMk cId="2563735501" sldId="267"/>
+            <ac:graphicFrameMk id="5" creationId="{F948BBF7-CCA6-4475-B6D7-541722579D97}"/>
+          </ac:graphicFrameMkLst>
+        </pc:graphicFrameChg>
+        <pc:graphicFrameChg chg="del">
+          <ac:chgData name="Lu, Hao" userId="a9b15683-2ecf-45f9-ae62-2515e77a514d" providerId="ADAL" clId="{C50C0340-9D05-4351-A10E-E9E898F224FB}" dt="2020-08-27T14:39:00.848" v="39" actId="478"/>
+          <ac:graphicFrameMkLst>
+            <pc:docMk/>
+            <pc:sldMk cId="2563735501" sldId="267"/>
+            <ac:graphicFrameMk id="6" creationId="{254ECB62-0F4E-4B48-84C4-D0D6F8C53E7A}"/>
+          </ac:graphicFrameMkLst>
+        </pc:graphicFrameChg>
+        <pc:graphicFrameChg chg="del">
+          <ac:chgData name="Lu, Hao" userId="a9b15683-2ecf-45f9-ae62-2515e77a514d" providerId="ADAL" clId="{C50C0340-9D05-4351-A10E-E9E898F224FB}" dt="2020-08-27T14:39:00.848" v="39" actId="478"/>
+          <ac:graphicFrameMkLst>
+            <pc:docMk/>
+            <pc:sldMk cId="2563735501" sldId="267"/>
+            <ac:graphicFrameMk id="7" creationId="{D18EE96E-9192-4DAA-8DB2-EC7BAC79A5AB}"/>
+          </ac:graphicFrameMkLst>
+        </pc:graphicFrameChg>
+        <pc:graphicFrameChg chg="add mod">
+          <ac:chgData name="Lu, Hao" userId="a9b15683-2ecf-45f9-ae62-2515e77a514d" providerId="ADAL" clId="{C50C0340-9D05-4351-A10E-E9E898F224FB}" dt="2020-08-27T14:39:45.267" v="53" actId="14100"/>
+          <ac:graphicFrameMkLst>
+            <pc:docMk/>
+            <pc:sldMk cId="2563735501" sldId="267"/>
+            <ac:graphicFrameMk id="8" creationId="{6A031E0A-1A32-4F67-86B6-325F6C179CFD}"/>
+          </ac:graphicFrameMkLst>
+        </pc:graphicFrameChg>
+        <pc:graphicFrameChg chg="add mod">
+          <ac:chgData name="Lu, Hao" userId="a9b15683-2ecf-45f9-ae62-2515e77a514d" providerId="ADAL" clId="{C50C0340-9D05-4351-A10E-E9E898F224FB}" dt="2020-08-27T14:39:08.539" v="44" actId="14100"/>
+          <ac:graphicFrameMkLst>
+            <pc:docMk/>
+            <pc:sldMk cId="2563735501" sldId="267"/>
+            <ac:graphicFrameMk id="9" creationId="{4108CED3-0BB1-49E2-94E1-74ECF9D4F2A6}"/>
+          </ac:graphicFrameMkLst>
+        </pc:graphicFrameChg>
+        <pc:graphicFrameChg chg="add mod">
+          <ac:chgData name="Lu, Hao" userId="a9b15683-2ecf-45f9-ae62-2515e77a514d" providerId="ADAL" clId="{C50C0340-9D05-4351-A10E-E9E898F224FB}" dt="2020-08-27T14:39:50.044" v="54" actId="1076"/>
+          <ac:graphicFrameMkLst>
+            <pc:docMk/>
+            <pc:sldMk cId="2563735501" sldId="267"/>
+            <ac:graphicFrameMk id="10" creationId="{A9A7D96F-FAC7-4346-9C4C-271993396106}"/>
+          </ac:graphicFrameMkLst>
+        </pc:graphicFrameChg>
+      </pc:sldChg>
+      <pc:sldChg chg="addSp delSp mod">
+        <pc:chgData name="Lu, Hao" userId="a9b15683-2ecf-45f9-ae62-2515e77a514d" providerId="ADAL" clId="{C50C0340-9D05-4351-A10E-E9E898F224FB}" dt="2020-08-27T14:39:57.833" v="56" actId="22"/>
+        <pc:sldMkLst>
+          <pc:docMk/>
+          <pc:sldMk cId="3468179774" sldId="268"/>
+        </pc:sldMkLst>
+        <pc:picChg chg="add">
+          <ac:chgData name="Lu, Hao" userId="a9b15683-2ecf-45f9-ae62-2515e77a514d" providerId="ADAL" clId="{C50C0340-9D05-4351-A10E-E9E898F224FB}" dt="2020-08-27T14:39:57.833" v="56" actId="22"/>
+          <ac:picMkLst>
+            <pc:docMk/>
+            <pc:sldMk cId="3468179774" sldId="268"/>
+            <ac:picMk id="3" creationId="{9709294F-6143-4419-BE7F-A328EEB81553}"/>
+          </ac:picMkLst>
+        </pc:picChg>
+        <pc:picChg chg="del">
+          <ac:chgData name="Lu, Hao" userId="a9b15683-2ecf-45f9-ae62-2515e77a514d" providerId="ADAL" clId="{C50C0340-9D05-4351-A10E-E9E898F224FB}" dt="2020-08-27T14:39:56.083" v="55" actId="478"/>
+          <ac:picMkLst>
+            <pc:docMk/>
+            <pc:sldMk cId="3468179774" sldId="268"/>
+            <ac:picMk id="4" creationId="{61126E2E-E0E0-4070-969B-501BF629674F}"/>
+          </ac:picMkLst>
+        </pc:picChg>
+      </pc:sldChg>
+    </pc:docChg>
+  </pc:docChgLst>
 </pc:chgInfo>
 </file>
 
@@ -3577,11 +3766,11 @@
           <c:order val="0"/>
           <c:tx>
             <c:strRef>
-              <c:f>nodal_T_experiment_adadelta!$B$1</c:f>
+              <c:f>nodal_T_experiment_adadelta_exc!$B$1</c:f>
               <c:strCache>
                 <c:ptCount val="1"/>
                 <c:pt idx="0">
-                  <c:v>Train MSE</c:v>
+                  <c:v>Train-MSE</c:v>
                 </c:pt>
               </c:strCache>
             </c:strRef>
@@ -3612,10 +3801,10 @@
           </c:marker>
           <c:xVal>
             <c:numRef>
-              <c:f>nodal_T_experiment_adadelta!$A$2:$A$11</c:f>
+              <c:f>nodal_T_experiment_adadelta_exc!$A$2:$A$23</c:f>
               <c:numCache>
                 <c:formatCode>General</c:formatCode>
-                <c:ptCount val="10"/>
+                <c:ptCount val="22"/>
                 <c:pt idx="0">
                   <c:v>1</c:v>
                 </c:pt>
@@ -3645,45 +3834,117 @@
                 </c:pt>
                 <c:pt idx="9">
                   <c:v>10</c:v>
+                </c:pt>
+                <c:pt idx="10">
+                  <c:v>11</c:v>
+                </c:pt>
+                <c:pt idx="11">
+                  <c:v>12</c:v>
+                </c:pt>
+                <c:pt idx="12">
+                  <c:v>13</c:v>
+                </c:pt>
+                <c:pt idx="13">
+                  <c:v>14</c:v>
+                </c:pt>
+                <c:pt idx="14">
+                  <c:v>15</c:v>
+                </c:pt>
+                <c:pt idx="15">
+                  <c:v>16</c:v>
+                </c:pt>
+                <c:pt idx="16">
+                  <c:v>17</c:v>
+                </c:pt>
+                <c:pt idx="17">
+                  <c:v>18</c:v>
+                </c:pt>
+                <c:pt idx="18">
+                  <c:v>19</c:v>
+                </c:pt>
+                <c:pt idx="19">
+                  <c:v>20</c:v>
+                </c:pt>
+                <c:pt idx="20">
+                  <c:v>21</c:v>
+                </c:pt>
+                <c:pt idx="21">
+                  <c:v>22</c:v>
                 </c:pt>
               </c:numCache>
             </c:numRef>
           </c:xVal>
           <c:yVal>
             <c:numRef>
-              <c:f>nodal_T_experiment_adadelta!$B$2:$B$11</c:f>
+              <c:f>nodal_T_experiment_adadelta_exc!$B$2:$B$23</c:f>
               <c:numCache>
                 <c:formatCode>General</c:formatCode>
-                <c:ptCount val="10"/>
+                <c:ptCount val="22"/>
                 <c:pt idx="0">
-                  <c:v>0.119610581693324</c:v>
+                  <c:v>0.11961058199999999</c:v>
                 </c:pt>
                 <c:pt idx="1">
-                  <c:v>6.7620463254776803E-2</c:v>
+                  <c:v>6.7620463000000006E-2</c:v>
                 </c:pt>
                 <c:pt idx="2">
-                  <c:v>6.5598302877762096E-2</c:v>
+                  <c:v>6.5598302999999997E-2</c:v>
                 </c:pt>
                 <c:pt idx="3">
-                  <c:v>6.4932286740704004E-2</c:v>
+                  <c:v>6.4932287000000005E-2</c:v>
                 </c:pt>
                 <c:pt idx="4">
-                  <c:v>6.4619860608469304E-2</c:v>
+                  <c:v>6.4619861000000001E-2</c:v>
                 </c:pt>
                 <c:pt idx="5">
-                  <c:v>6.43216453113339E-2</c:v>
+                  <c:v>6.4321644999999997E-2</c:v>
                 </c:pt>
                 <c:pt idx="6">
-                  <c:v>6.43216453113339E-2</c:v>
+                  <c:v>6.4321644999999997E-2</c:v>
                 </c:pt>
                 <c:pt idx="7">
-                  <c:v>6.4100651532411498E-2</c:v>
+                  <c:v>6.4100651999999994E-2</c:v>
                 </c:pt>
                 <c:pt idx="8">
-                  <c:v>6.3870114285837498E-2</c:v>
+                  <c:v>6.3870114000000006E-2</c:v>
                 </c:pt>
                 <c:pt idx="9">
-                  <c:v>6.3927107152613696E-2</c:v>
+                  <c:v>6.3927106999999997E-2</c:v>
+                </c:pt>
+                <c:pt idx="10">
+                  <c:v>6.4156881999999998E-2</c:v>
+                </c:pt>
+                <c:pt idx="11">
+                  <c:v>6.4386355000000006E-2</c:v>
+                </c:pt>
+                <c:pt idx="12">
+                  <c:v>6.4127348000000001E-2</c:v>
+                </c:pt>
+                <c:pt idx="13">
+                  <c:v>6.3916208000000002E-2</c:v>
+                </c:pt>
+                <c:pt idx="14">
+                  <c:v>6.3767306999999995E-2</c:v>
+                </c:pt>
+                <c:pt idx="15">
+                  <c:v>6.3633025999999995E-2</c:v>
+                </c:pt>
+                <c:pt idx="16">
+                  <c:v>6.3575171999999999E-2</c:v>
+                </c:pt>
+                <c:pt idx="17">
+                  <c:v>6.3512450999999998E-2</c:v>
+                </c:pt>
+                <c:pt idx="18">
+                  <c:v>6.3575511000000001E-2</c:v>
+                </c:pt>
+                <c:pt idx="19">
+                  <c:v>6.3482751000000004E-2</c:v>
+                </c:pt>
+                <c:pt idx="20">
+                  <c:v>6.3268837999999994E-2</c:v>
+                </c:pt>
+                <c:pt idx="21">
+                  <c:v>6.3137482999999994E-2</c:v>
                 </c:pt>
               </c:numCache>
             </c:numRef>
@@ -3691,7 +3952,7 @@
           <c:smooth val="1"/>
           <c:extLst>
             <c:ext xmlns:c16="http://schemas.microsoft.com/office/drawing/2014/chart" uri="{C3380CC4-5D6E-409C-BE32-E72D297353CC}">
-              <c16:uniqueId val="{00000000-EBCA-44B4-9BCD-9E702FCF10F7}"/>
+              <c16:uniqueId val="{00000000-D7F2-4066-A865-241ECC6B8A34}"/>
             </c:ext>
           </c:extLst>
         </c:ser>
@@ -3700,11 +3961,11 @@
           <c:order val="1"/>
           <c:tx>
             <c:strRef>
-              <c:f>nodal_T_experiment_adadelta!$E$1</c:f>
+              <c:f>nodal_T_experiment_adadelta_exc!$E$1</c:f>
               <c:strCache>
                 <c:ptCount val="1"/>
                 <c:pt idx="0">
-                  <c:v>Validation MSE</c:v>
+                  <c:v>Validation-MSE</c:v>
                 </c:pt>
               </c:strCache>
             </c:strRef>
@@ -3735,10 +3996,10 @@
           </c:marker>
           <c:xVal>
             <c:numRef>
-              <c:f>nodal_T_experiment_adadelta!$A$2:$A$11</c:f>
+              <c:f>nodal_T_experiment_adadelta_exc!$A$2:$A$23</c:f>
               <c:numCache>
                 <c:formatCode>General</c:formatCode>
-                <c:ptCount val="10"/>
+                <c:ptCount val="22"/>
                 <c:pt idx="0">
                   <c:v>1</c:v>
                 </c:pt>
@@ -3768,45 +4029,117 @@
                 </c:pt>
                 <c:pt idx="9">
                   <c:v>10</c:v>
+                </c:pt>
+                <c:pt idx="10">
+                  <c:v>11</c:v>
+                </c:pt>
+                <c:pt idx="11">
+                  <c:v>12</c:v>
+                </c:pt>
+                <c:pt idx="12">
+                  <c:v>13</c:v>
+                </c:pt>
+                <c:pt idx="13">
+                  <c:v>14</c:v>
+                </c:pt>
+                <c:pt idx="14">
+                  <c:v>15</c:v>
+                </c:pt>
+                <c:pt idx="15">
+                  <c:v>16</c:v>
+                </c:pt>
+                <c:pt idx="16">
+                  <c:v>17</c:v>
+                </c:pt>
+                <c:pt idx="17">
+                  <c:v>18</c:v>
+                </c:pt>
+                <c:pt idx="18">
+                  <c:v>19</c:v>
+                </c:pt>
+                <c:pt idx="19">
+                  <c:v>20</c:v>
+                </c:pt>
+                <c:pt idx="20">
+                  <c:v>21</c:v>
+                </c:pt>
+                <c:pt idx="21">
+                  <c:v>22</c:v>
                 </c:pt>
               </c:numCache>
             </c:numRef>
           </c:xVal>
           <c:yVal>
             <c:numRef>
-              <c:f>nodal_T_experiment_adadelta!$E$2:$E$11</c:f>
+              <c:f>nodal_T_experiment_adadelta_exc!$E$2:$E$23</c:f>
               <c:numCache>
                 <c:formatCode>General</c:formatCode>
-                <c:ptCount val="10"/>
+                <c:ptCount val="22"/>
                 <c:pt idx="0">
-                  <c:v>7.0042670138180205E-2</c:v>
+                  <c:v>7.0042670000000001E-2</c:v>
                 </c:pt>
                 <c:pt idx="1">
-                  <c:v>6.6170410443097294E-2</c:v>
+                  <c:v>6.6170409999999999E-2</c:v>
                 </c:pt>
                 <c:pt idx="2">
-                  <c:v>6.5203713145107006E-2</c:v>
+                  <c:v>6.5203712999999996E-2</c:v>
                 </c:pt>
                 <c:pt idx="3">
-                  <c:v>6.4597782850265503E-2</c:v>
+                  <c:v>6.4597783000000006E-2</c:v>
                 </c:pt>
                 <c:pt idx="4">
-                  <c:v>6.4515282649546798E-2</c:v>
+                  <c:v>6.4515283000000007E-2</c:v>
                 </c:pt>
                 <c:pt idx="5">
-                  <c:v>6.4878401067107905E-2</c:v>
+                  <c:v>6.4878401000000002E-2</c:v>
                 </c:pt>
                 <c:pt idx="6">
-                  <c:v>6.4878401067107905E-2</c:v>
+                  <c:v>6.4878401000000002E-2</c:v>
                 </c:pt>
                 <c:pt idx="7">
-                  <c:v>6.4276603657752202E-2</c:v>
+                  <c:v>6.4276604000000001E-2</c:v>
                 </c:pt>
                 <c:pt idx="8">
-                  <c:v>6.4702266272157402E-2</c:v>
+                  <c:v>6.4702265999999994E-2</c:v>
                 </c:pt>
                 <c:pt idx="9">
-                  <c:v>6.4688672263175206E-2</c:v>
+                  <c:v>6.4688672000000003E-2</c:v>
+                </c:pt>
+                <c:pt idx="10">
+                  <c:v>6.4924256E-2</c:v>
+                </c:pt>
+                <c:pt idx="11">
+                  <c:v>6.3885002999999996E-2</c:v>
+                </c:pt>
+                <c:pt idx="12">
+                  <c:v>6.3544642999999998E-2</c:v>
+                </c:pt>
+                <c:pt idx="13">
+                  <c:v>6.3801325000000006E-2</c:v>
+                </c:pt>
+                <c:pt idx="14">
+                  <c:v>6.3387483999999994E-2</c:v>
+                </c:pt>
+                <c:pt idx="15">
+                  <c:v>6.3475146999999996E-2</c:v>
+                </c:pt>
+                <c:pt idx="16">
+                  <c:v>6.3344636999999995E-2</c:v>
+                </c:pt>
+                <c:pt idx="17">
+                  <c:v>6.3695396000000001E-2</c:v>
+                </c:pt>
+                <c:pt idx="18">
+                  <c:v>6.3694398999999999E-2</c:v>
+                </c:pt>
+                <c:pt idx="19">
+                  <c:v>6.3170752999999996E-2</c:v>
+                </c:pt>
+                <c:pt idx="20">
+                  <c:v>6.3453254000000001E-2</c:v>
+                </c:pt>
+                <c:pt idx="21">
+                  <c:v>6.2623000999999998E-2</c:v>
                 </c:pt>
               </c:numCache>
             </c:numRef>
@@ -3814,7 +4147,7 @@
           <c:smooth val="1"/>
           <c:extLst>
             <c:ext xmlns:c16="http://schemas.microsoft.com/office/drawing/2014/chart" uri="{C3380CC4-5D6E-409C-BE32-E72D297353CC}">
-              <c16:uniqueId val="{00000001-EBCA-44B4-9BCD-9E702FCF10F7}"/>
+              <c16:uniqueId val="{00000001-D7F2-4066-A865-241ECC6B8A34}"/>
             </c:ext>
           </c:extLst>
         </c:ser>
@@ -3826,11 +4159,11 @@
           <c:showPercent val="0"/>
           <c:showBubbleSize val="0"/>
         </c:dLbls>
-        <c:axId val="1695447424"/>
-        <c:axId val="1529798288"/>
+        <c:axId val="435998448"/>
+        <c:axId val="351720672"/>
       </c:scatterChart>
       <c:valAx>
-        <c:axId val="1695447424"/>
+        <c:axId val="435998448"/>
         <c:scaling>
           <c:orientation val="minMax"/>
         </c:scaling>
@@ -3887,15 +4220,16 @@
             <a:endParaRPr lang="en-US"/>
           </a:p>
         </c:txPr>
-        <c:crossAx val="1529798288"/>
+        <c:crossAx val="351720672"/>
         <c:crosses val="autoZero"/>
         <c:crossBetween val="midCat"/>
       </c:valAx>
       <c:valAx>
-        <c:axId val="1529798288"/>
+        <c:axId val="351720672"/>
         <c:scaling>
           <c:orientation val="minMax"/>
-          <c:min val="5.000000000000001E-2"/>
+          <c:max val="0.13"/>
+          <c:min val="6.0000000000000012E-2"/>
         </c:scaling>
         <c:delete val="0"/>
         <c:axPos val="l"/>
@@ -3950,7 +4284,7 @@
             <a:endParaRPr lang="en-US"/>
           </a:p>
         </c:txPr>
-        <c:crossAx val="1695447424"/>
+        <c:crossAx val="435998448"/>
         <c:crosses val="autoZero"/>
         <c:crossBetween val="midCat"/>
       </c:valAx>
@@ -4052,11 +4386,11 @@
           <c:order val="0"/>
           <c:tx>
             <c:strRef>
-              <c:f>nodal_T_experiment_adadelta!$C$1</c:f>
+              <c:f>nodal_T_experiment_adadelta_exc!$C$1</c:f>
               <c:strCache>
                 <c:ptCount val="1"/>
                 <c:pt idx="0">
-                  <c:v>Train MAE</c:v>
+                  <c:v>Train-MAE</c:v>
                 </c:pt>
               </c:strCache>
             </c:strRef>
@@ -4087,10 +4421,10 @@
           </c:marker>
           <c:xVal>
             <c:numRef>
-              <c:f>nodal_T_experiment_adadelta!$A$2:$A$12</c:f>
+              <c:f>nodal_T_experiment_adadelta_exc!$A$2:$A$23</c:f>
               <c:numCache>
                 <c:formatCode>General</c:formatCode>
-                <c:ptCount val="11"/>
+                <c:ptCount val="22"/>
                 <c:pt idx="0">
                   <c:v>1</c:v>
                 </c:pt>
@@ -4120,45 +4454,117 @@
                 </c:pt>
                 <c:pt idx="9">
                   <c:v>10</c:v>
+                </c:pt>
+                <c:pt idx="10">
+                  <c:v>11</c:v>
+                </c:pt>
+                <c:pt idx="11">
+                  <c:v>12</c:v>
+                </c:pt>
+                <c:pt idx="12">
+                  <c:v>13</c:v>
+                </c:pt>
+                <c:pt idx="13">
+                  <c:v>14</c:v>
+                </c:pt>
+                <c:pt idx="14">
+                  <c:v>15</c:v>
+                </c:pt>
+                <c:pt idx="15">
+                  <c:v>16</c:v>
+                </c:pt>
+                <c:pt idx="16">
+                  <c:v>17</c:v>
+                </c:pt>
+                <c:pt idx="17">
+                  <c:v>18</c:v>
+                </c:pt>
+                <c:pt idx="18">
+                  <c:v>19</c:v>
+                </c:pt>
+                <c:pt idx="19">
+                  <c:v>20</c:v>
+                </c:pt>
+                <c:pt idx="20">
+                  <c:v>21</c:v>
+                </c:pt>
+                <c:pt idx="21">
+                  <c:v>22</c:v>
                 </c:pt>
               </c:numCache>
             </c:numRef>
           </c:xVal>
           <c:yVal>
             <c:numRef>
-              <c:f>nodal_T_experiment_adadelta!$C$2:$C$12</c:f>
+              <c:f>nodal_T_experiment_adadelta_exc!$C$2:$C$23</c:f>
               <c:numCache>
                 <c:formatCode>General</c:formatCode>
-                <c:ptCount val="11"/>
+                <c:ptCount val="22"/>
                 <c:pt idx="0">
-                  <c:v>0.241970062738115</c:v>
+                  <c:v>0.24197006300000001</c:v>
                 </c:pt>
                 <c:pt idx="1">
-                  <c:v>0.192354591039094</c:v>
+                  <c:v>0.19235459099999999</c:v>
                 </c:pt>
                 <c:pt idx="2">
-                  <c:v>0.18805837626348801</c:v>
+                  <c:v>0.188058376</c:v>
                 </c:pt>
                 <c:pt idx="3">
-                  <c:v>0.186234839081764</c:v>
+                  <c:v>0.18623483900000001</c:v>
                 </c:pt>
                 <c:pt idx="4">
-                  <c:v>0.18480901627107099</c:v>
+                  <c:v>0.18480901599999999</c:v>
                 </c:pt>
                 <c:pt idx="5">
-                  <c:v>0.18352102435177001</c:v>
+                  <c:v>0.183521024</c:v>
                 </c:pt>
                 <c:pt idx="6">
-                  <c:v>0.18352102435177001</c:v>
+                  <c:v>0.183521024</c:v>
                 </c:pt>
                 <c:pt idx="7">
-                  <c:v>0.18266105561364701</c:v>
+                  <c:v>0.18266105599999999</c:v>
                 </c:pt>
                 <c:pt idx="8">
-                  <c:v>0.181225616390054</c:v>
+                  <c:v>0.18122561600000001</c:v>
                 </c:pt>
                 <c:pt idx="9">
-                  <c:v>0.180599225716157</c:v>
+                  <c:v>0.180599226</c:v>
+                </c:pt>
+                <c:pt idx="10">
+                  <c:v>0.18020609400000001</c:v>
+                </c:pt>
+                <c:pt idx="11">
+                  <c:v>0.18018545699999999</c:v>
+                </c:pt>
+                <c:pt idx="12">
+                  <c:v>0.179663081</c:v>
+                </c:pt>
+                <c:pt idx="13">
+                  <c:v>0.17940408999999999</c:v>
+                </c:pt>
+                <c:pt idx="14">
+                  <c:v>0.179165465</c:v>
+                </c:pt>
+                <c:pt idx="15">
+                  <c:v>0.17893927800000001</c:v>
+                </c:pt>
+                <c:pt idx="16">
+                  <c:v>0.178764124</c:v>
+                </c:pt>
+                <c:pt idx="17">
+                  <c:v>0.17844038400000001</c:v>
+                </c:pt>
+                <c:pt idx="18">
+                  <c:v>0.177969351</c:v>
+                </c:pt>
+                <c:pt idx="19">
+                  <c:v>0.17769190500000001</c:v>
+                </c:pt>
+                <c:pt idx="20">
+                  <c:v>0.17767328199999999</c:v>
+                </c:pt>
+                <c:pt idx="21">
+                  <c:v>0.17759392600000001</c:v>
                 </c:pt>
               </c:numCache>
             </c:numRef>
@@ -4166,7 +4572,7 @@
           <c:smooth val="1"/>
           <c:extLst>
             <c:ext xmlns:c16="http://schemas.microsoft.com/office/drawing/2014/chart" uri="{C3380CC4-5D6E-409C-BE32-E72D297353CC}">
-              <c16:uniqueId val="{00000000-7A97-4164-86A4-88A7B8C0AB27}"/>
+              <c16:uniqueId val="{00000000-465E-4FDD-92C2-004210C6537E}"/>
             </c:ext>
           </c:extLst>
         </c:ser>
@@ -4175,11 +4581,11 @@
           <c:order val="1"/>
           <c:tx>
             <c:strRef>
-              <c:f>nodal_T_experiment_adadelta!$F$1</c:f>
+              <c:f>nodal_T_experiment_adadelta_exc!$F$1</c:f>
               <c:strCache>
                 <c:ptCount val="1"/>
                 <c:pt idx="0">
-                  <c:v>Validation MAE</c:v>
+                  <c:v>Validation-MAE</c:v>
                 </c:pt>
               </c:strCache>
             </c:strRef>
@@ -4210,10 +4616,10 @@
           </c:marker>
           <c:xVal>
             <c:numRef>
-              <c:f>nodal_T_experiment_adadelta!$A$2:$A$12</c:f>
+              <c:f>nodal_T_experiment_adadelta_exc!$A$2:$A$23</c:f>
               <c:numCache>
                 <c:formatCode>General</c:formatCode>
-                <c:ptCount val="11"/>
+                <c:ptCount val="22"/>
                 <c:pt idx="0">
                   <c:v>1</c:v>
                 </c:pt>
@@ -4243,45 +4649,117 @@
                 </c:pt>
                 <c:pt idx="9">
                   <c:v>10</c:v>
+                </c:pt>
+                <c:pt idx="10">
+                  <c:v>11</c:v>
+                </c:pt>
+                <c:pt idx="11">
+                  <c:v>12</c:v>
+                </c:pt>
+                <c:pt idx="12">
+                  <c:v>13</c:v>
+                </c:pt>
+                <c:pt idx="13">
+                  <c:v>14</c:v>
+                </c:pt>
+                <c:pt idx="14">
+                  <c:v>15</c:v>
+                </c:pt>
+                <c:pt idx="15">
+                  <c:v>16</c:v>
+                </c:pt>
+                <c:pt idx="16">
+                  <c:v>17</c:v>
+                </c:pt>
+                <c:pt idx="17">
+                  <c:v>18</c:v>
+                </c:pt>
+                <c:pt idx="18">
+                  <c:v>19</c:v>
+                </c:pt>
+                <c:pt idx="19">
+                  <c:v>20</c:v>
+                </c:pt>
+                <c:pt idx="20">
+                  <c:v>21</c:v>
+                </c:pt>
+                <c:pt idx="21">
+                  <c:v>22</c:v>
                 </c:pt>
               </c:numCache>
             </c:numRef>
           </c:xVal>
           <c:yVal>
             <c:numRef>
-              <c:f>nodal_T_experiment_adadelta!$F$2:$F$12</c:f>
+              <c:f>nodal_T_experiment_adadelta_exc!$F$2:$F$23</c:f>
               <c:numCache>
                 <c:formatCode>General</c:formatCode>
-                <c:ptCount val="11"/>
+                <c:ptCount val="22"/>
                 <c:pt idx="0">
-                  <c:v>0.197329996138811</c:v>
+                  <c:v>0.19732999600000001</c:v>
                 </c:pt>
                 <c:pt idx="1">
-                  <c:v>0.189410580456256</c:v>
+                  <c:v>0.18941058</c:v>
                 </c:pt>
                 <c:pt idx="2">
-                  <c:v>0.18697136799991099</c:v>
+                  <c:v>0.186971368</c:v>
                 </c:pt>
                 <c:pt idx="3">
-                  <c:v>0.18473314523696899</c:v>
+                  <c:v>0.18473314499999999</c:v>
                 </c:pt>
                 <c:pt idx="4">
-                  <c:v>0.18368872530758301</c:v>
+                  <c:v>0.183688725</c:v>
                 </c:pt>
                 <c:pt idx="5">
-                  <c:v>0.18339739036559999</c:v>
+                  <c:v>0.18339738999999999</c:v>
                 </c:pt>
                 <c:pt idx="6">
-                  <c:v>0.18339739036559999</c:v>
+                  <c:v>0.18339738999999999</c:v>
                 </c:pt>
                 <c:pt idx="7">
-                  <c:v>0.18304831647872899</c:v>
+                  <c:v>0.18304831599999999</c:v>
                 </c:pt>
                 <c:pt idx="8">
-                  <c:v>0.18151633740961501</c:v>
+                  <c:v>0.181516337</c:v>
                 </c:pt>
                 <c:pt idx="9">
-                  <c:v>0.180584840968251</c:v>
+                  <c:v>0.180584841</c:v>
+                </c:pt>
+                <c:pt idx="10">
+                  <c:v>0.180231009</c:v>
+                </c:pt>
+                <c:pt idx="11">
+                  <c:v>0.18084645899999999</c:v>
+                </c:pt>
+                <c:pt idx="12">
+                  <c:v>0.17975169999999999</c:v>
+                </c:pt>
+                <c:pt idx="13">
+                  <c:v>0.17845998399999999</c:v>
+                </c:pt>
+                <c:pt idx="14">
+                  <c:v>0.17876368400000001</c:v>
+                </c:pt>
+                <c:pt idx="15">
+                  <c:v>0.178700947</c:v>
+                </c:pt>
+                <c:pt idx="16">
+                  <c:v>0.17863384600000001</c:v>
+                </c:pt>
+                <c:pt idx="17">
+                  <c:v>0.17828153399999999</c:v>
+                </c:pt>
+                <c:pt idx="18">
+                  <c:v>0.177860724</c:v>
+                </c:pt>
+                <c:pt idx="19">
+                  <c:v>0.17753312399999999</c:v>
+                </c:pt>
+                <c:pt idx="20">
+                  <c:v>0.177855229</c:v>
+                </c:pt>
+                <c:pt idx="21">
+                  <c:v>0.17867734099999999</c:v>
                 </c:pt>
               </c:numCache>
             </c:numRef>
@@ -4289,7 +4767,7 @@
           <c:smooth val="1"/>
           <c:extLst>
             <c:ext xmlns:c16="http://schemas.microsoft.com/office/drawing/2014/chart" uri="{C3380CC4-5D6E-409C-BE32-E72D297353CC}">
-              <c16:uniqueId val="{00000001-7A97-4164-86A4-88A7B8C0AB27}"/>
+              <c16:uniqueId val="{00000001-465E-4FDD-92C2-004210C6537E}"/>
             </c:ext>
           </c:extLst>
         </c:ser>
@@ -4301,11 +4779,11 @@
           <c:showPercent val="0"/>
           <c:showBubbleSize val="0"/>
         </c:dLbls>
-        <c:axId val="1832103504"/>
-        <c:axId val="1695367312"/>
+        <c:axId val="524036960"/>
+        <c:axId val="356284800"/>
       </c:scatterChart>
       <c:valAx>
-        <c:axId val="1832103504"/>
+        <c:axId val="524036960"/>
         <c:scaling>
           <c:orientation val="minMax"/>
         </c:scaling>
@@ -4362,12 +4840,12 @@
             <a:endParaRPr lang="en-US"/>
           </a:p>
         </c:txPr>
-        <c:crossAx val="1695367312"/>
+        <c:crossAx val="356284800"/>
         <c:crosses val="autoZero"/>
         <c:crossBetween val="midCat"/>
       </c:valAx>
       <c:valAx>
-        <c:axId val="1695367312"/>
+        <c:axId val="356284800"/>
         <c:scaling>
           <c:orientation val="minMax"/>
           <c:min val="0.17"/>
@@ -4425,7 +4903,7 @@
             <a:endParaRPr lang="en-US"/>
           </a:p>
         </c:txPr>
-        <c:crossAx val="1832103504"/>
+        <c:crossAx val="524036960"/>
         <c:crosses val="autoZero"/>
         <c:crossBetween val="midCat"/>
       </c:valAx>
@@ -4527,11 +5005,11 @@
           <c:order val="0"/>
           <c:tx>
             <c:strRef>
-              <c:f>nodal_T_experiment_adadelta!$D$1</c:f>
+              <c:f>nodal_T_experiment_adadelta_exc!$D$1</c:f>
               <c:strCache>
                 <c:ptCount val="1"/>
                 <c:pt idx="0">
-                  <c:v>Train L1stress</c:v>
+                  <c:v>Train-L1stress</c:v>
                 </c:pt>
               </c:strCache>
             </c:strRef>
@@ -4562,10 +5040,10 @@
           </c:marker>
           <c:xVal>
             <c:numRef>
-              <c:f>nodal_T_experiment_adadelta!$A$2:$A$12</c:f>
+              <c:f>nodal_T_experiment_adadelta_exc!$A$2:$A$23</c:f>
               <c:numCache>
                 <c:formatCode>General</c:formatCode>
-                <c:ptCount val="11"/>
+                <c:ptCount val="22"/>
                 <c:pt idx="0">
                   <c:v>1</c:v>
                 </c:pt>
@@ -4595,45 +5073,117 @@
                 </c:pt>
                 <c:pt idx="9">
                   <c:v>10</c:v>
+                </c:pt>
+                <c:pt idx="10">
+                  <c:v>11</c:v>
+                </c:pt>
+                <c:pt idx="11">
+                  <c:v>12</c:v>
+                </c:pt>
+                <c:pt idx="12">
+                  <c:v>13</c:v>
+                </c:pt>
+                <c:pt idx="13">
+                  <c:v>14</c:v>
+                </c:pt>
+                <c:pt idx="14">
+                  <c:v>15</c:v>
+                </c:pt>
+                <c:pt idx="15">
+                  <c:v>16</c:v>
+                </c:pt>
+                <c:pt idx="16">
+                  <c:v>17</c:v>
+                </c:pt>
+                <c:pt idx="17">
+                  <c:v>18</c:v>
+                </c:pt>
+                <c:pt idx="18">
+                  <c:v>19</c:v>
+                </c:pt>
+                <c:pt idx="19">
+                  <c:v>20</c:v>
+                </c:pt>
+                <c:pt idx="20">
+                  <c:v>21</c:v>
+                </c:pt>
+                <c:pt idx="21">
+                  <c:v>22</c:v>
                 </c:pt>
               </c:numCache>
             </c:numRef>
           </c:xVal>
           <c:yVal>
             <c:numRef>
-              <c:f>nodal_T_experiment_adadelta!$D$2:$D$12</c:f>
+              <c:f>nodal_T_experiment_adadelta_exc!$D$2:$D$23</c:f>
               <c:numCache>
                 <c:formatCode>General</c:formatCode>
-                <c:ptCount val="11"/>
+                <c:ptCount val="22"/>
                 <c:pt idx="0">
-                  <c:v>0.93477715948626405</c:v>
+                  <c:v>0.93477715900000002</c:v>
                 </c:pt>
                 <c:pt idx="1">
-                  <c:v>0.92606685629597896</c:v>
+                  <c:v>0.92606685600000005</c:v>
                 </c:pt>
                 <c:pt idx="2">
-                  <c:v>0.91836396361562</c:v>
+                  <c:v>0.91836396399999998</c:v>
                 </c:pt>
                 <c:pt idx="3">
-                  <c:v>0.90432927399193597</c:v>
+                  <c:v>0.90432927399999996</c:v>
                 </c:pt>
                 <c:pt idx="4">
-                  <c:v>0.89179445467694995</c:v>
+                  <c:v>0.89179445499999999</c:v>
                 </c:pt>
                 <c:pt idx="5">
-                  <c:v>0.88210533968584703</c:v>
+                  <c:v>0.88210533999999996</c:v>
                 </c:pt>
                 <c:pt idx="6">
-                  <c:v>0.88210533968584703</c:v>
+                  <c:v>0.88210533999999996</c:v>
                 </c:pt>
                 <c:pt idx="7">
-                  <c:v>0.87604902037969001</c:v>
+                  <c:v>0.87604901999999996</c:v>
                 </c:pt>
                 <c:pt idx="8">
-                  <c:v>0.87028094822337898</c:v>
+                  <c:v>0.870280948</c:v>
                 </c:pt>
                 <c:pt idx="9">
-                  <c:v>0.80885974088033796</c:v>
+                  <c:v>0.80885974100000002</c:v>
+                </c:pt>
+                <c:pt idx="10">
+                  <c:v>0.76688714400000002</c:v>
+                </c:pt>
+                <c:pt idx="11">
+                  <c:v>0.71851112800000005</c:v>
+                </c:pt>
+                <c:pt idx="12">
+                  <c:v>0.81870485500000001</c:v>
+                </c:pt>
+                <c:pt idx="13">
+                  <c:v>0.84366432000000002</c:v>
+                </c:pt>
+                <c:pt idx="14">
+                  <c:v>0.83462778699999995</c:v>
+                </c:pt>
+                <c:pt idx="15">
+                  <c:v>0.82359826300000005</c:v>
+                </c:pt>
+                <c:pt idx="16">
+                  <c:v>0.81122439499999999</c:v>
+                </c:pt>
+                <c:pt idx="17">
+                  <c:v>0.66358436799999998</c:v>
+                </c:pt>
+                <c:pt idx="18">
+                  <c:v>0.617473049</c:v>
+                </c:pt>
+                <c:pt idx="19">
+                  <c:v>0.73995444799999999</c:v>
+                </c:pt>
+                <c:pt idx="20">
+                  <c:v>0.76080598200000005</c:v>
+                </c:pt>
+                <c:pt idx="21">
+                  <c:v>0.75581244199999997</c:v>
                 </c:pt>
               </c:numCache>
             </c:numRef>
@@ -4641,7 +5191,7 @@
           <c:smooth val="1"/>
           <c:extLst>
             <c:ext xmlns:c16="http://schemas.microsoft.com/office/drawing/2014/chart" uri="{C3380CC4-5D6E-409C-BE32-E72D297353CC}">
-              <c16:uniqueId val="{00000000-4EE4-4C41-A5AF-3260CDEDB238}"/>
+              <c16:uniqueId val="{00000000-6AB6-4540-9CFD-065DE22B7F37}"/>
             </c:ext>
           </c:extLst>
         </c:ser>
@@ -4650,11 +5200,11 @@
           <c:order val="1"/>
           <c:tx>
             <c:strRef>
-              <c:f>nodal_T_experiment_adadelta!$G$1</c:f>
+              <c:f>nodal_T_experiment_adadelta_exc!$G$1</c:f>
               <c:strCache>
                 <c:ptCount val="1"/>
                 <c:pt idx="0">
-                  <c:v>Validation L1stress</c:v>
+                  <c:v>Validation-L1stress</c:v>
                 </c:pt>
               </c:strCache>
             </c:strRef>
@@ -4685,10 +5235,10 @@
           </c:marker>
           <c:xVal>
             <c:numRef>
-              <c:f>nodal_T_experiment_adadelta!$A$2:$A$12</c:f>
+              <c:f>nodal_T_experiment_adadelta_exc!$A$2:$A$23</c:f>
               <c:numCache>
                 <c:formatCode>General</c:formatCode>
-                <c:ptCount val="11"/>
+                <c:ptCount val="22"/>
                 <c:pt idx="0">
                   <c:v>1</c:v>
                 </c:pt>
@@ -4718,45 +5268,117 @@
                 </c:pt>
                 <c:pt idx="9">
                   <c:v>10</c:v>
+                </c:pt>
+                <c:pt idx="10">
+                  <c:v>11</c:v>
+                </c:pt>
+                <c:pt idx="11">
+                  <c:v>12</c:v>
+                </c:pt>
+                <c:pt idx="12">
+                  <c:v>13</c:v>
+                </c:pt>
+                <c:pt idx="13">
+                  <c:v>14</c:v>
+                </c:pt>
+                <c:pt idx="14">
+                  <c:v>15</c:v>
+                </c:pt>
+                <c:pt idx="15">
+                  <c:v>16</c:v>
+                </c:pt>
+                <c:pt idx="16">
+                  <c:v>17</c:v>
+                </c:pt>
+                <c:pt idx="17">
+                  <c:v>18</c:v>
+                </c:pt>
+                <c:pt idx="18">
+                  <c:v>19</c:v>
+                </c:pt>
+                <c:pt idx="19">
+                  <c:v>20</c:v>
+                </c:pt>
+                <c:pt idx="20">
+                  <c:v>21</c:v>
+                </c:pt>
+                <c:pt idx="21">
+                  <c:v>22</c:v>
                 </c:pt>
               </c:numCache>
             </c:numRef>
           </c:xVal>
           <c:yVal>
             <c:numRef>
-              <c:f>nodal_T_experiment_adadelta!$G$2:$G$12</c:f>
+              <c:f>nodal_T_experiment_adadelta_exc!$G$2:$G$23</c:f>
               <c:numCache>
                 <c:formatCode>General</c:formatCode>
-                <c:ptCount val="11"/>
+                <c:ptCount val="22"/>
                 <c:pt idx="0">
-                  <c:v>0.92920841878897897</c:v>
+                  <c:v>0.92920841899999995</c:v>
                 </c:pt>
                 <c:pt idx="1">
-                  <c:v>0.92110342684240099</c:v>
+                  <c:v>0.92110342700000003</c:v>
                 </c:pt>
                 <c:pt idx="2">
-                  <c:v>0.91277470155724305</c:v>
+                  <c:v>0.91277470199999999</c:v>
                 </c:pt>
                 <c:pt idx="3">
-                  <c:v>0.89803508105145602</c:v>
+                  <c:v>0.89803508099999996</c:v>
                 </c:pt>
                 <c:pt idx="4">
-                  <c:v>0.88204899664429104</c:v>
+                  <c:v>0.88204899699999995</c:v>
                 </c:pt>
                 <c:pt idx="5">
-                  <c:v>0.87983422692887803</c:v>
+                  <c:v>0.87983422700000002</c:v>
                 </c:pt>
                 <c:pt idx="6">
-                  <c:v>0.87983422692887803</c:v>
+                  <c:v>0.87983422700000002</c:v>
                 </c:pt>
                 <c:pt idx="7">
-                  <c:v>0.87204836468392</c:v>
+                  <c:v>0.87204836500000005</c:v>
                 </c:pt>
                 <c:pt idx="8">
-                  <c:v>0.86101509134243204</c:v>
+                  <c:v>0.86101509099999995</c:v>
                 </c:pt>
                 <c:pt idx="9">
-                  <c:v>0.85349061756209699</c:v>
+                  <c:v>0.85349061800000003</c:v>
+                </c:pt>
+                <c:pt idx="10">
+                  <c:v>0.84651625282730403</c:v>
+                </c:pt>
+                <c:pt idx="11">
+                  <c:v>0.84332946129470698</c:v>
+                </c:pt>
+                <c:pt idx="12">
+                  <c:v>0.84551693992042498</c:v>
+                </c:pt>
+                <c:pt idx="13">
+                  <c:v>0.83304193356560297</c:v>
+                </c:pt>
+                <c:pt idx="14">
+                  <c:v>0.80527653927197396</c:v>
+                </c:pt>
+                <c:pt idx="15">
+                  <c:v>0.79849346108840702</c:v>
+                </c:pt>
+                <c:pt idx="16">
+                  <c:v>0.80479659421294103</c:v>
+                </c:pt>
+                <c:pt idx="17">
+                  <c:v>0.79142436403359195</c:v>
+                </c:pt>
+                <c:pt idx="18">
+                  <c:v>0.79375639355083605</c:v>
+                </c:pt>
+                <c:pt idx="19">
+                  <c:v>0.79818888799033605</c:v>
+                </c:pt>
+                <c:pt idx="20">
+                  <c:v>0.784860723000676</c:v>
+                </c:pt>
+                <c:pt idx="21">
+                  <c:v>0.75728049801706898</c:v>
                 </c:pt>
               </c:numCache>
             </c:numRef>
@@ -4764,7 +5386,7 @@
           <c:smooth val="1"/>
           <c:extLst>
             <c:ext xmlns:c16="http://schemas.microsoft.com/office/drawing/2014/chart" uri="{C3380CC4-5D6E-409C-BE32-E72D297353CC}">
-              <c16:uniqueId val="{00000001-4EE4-4C41-A5AF-3260CDEDB238}"/>
+              <c16:uniqueId val="{00000001-6AB6-4540-9CFD-065DE22B7F37}"/>
             </c:ext>
           </c:extLst>
         </c:ser>
@@ -4776,11 +5398,11 @@
           <c:showPercent val="0"/>
           <c:showBubbleSize val="0"/>
         </c:dLbls>
-        <c:axId val="1525067392"/>
-        <c:axId val="1164241808"/>
+        <c:axId val="525357616"/>
+        <c:axId val="439217312"/>
       </c:scatterChart>
       <c:valAx>
-        <c:axId val="1525067392"/>
+        <c:axId val="525357616"/>
         <c:scaling>
           <c:orientation val="minMax"/>
         </c:scaling>
@@ -4837,14 +5459,15 @@
             <a:endParaRPr lang="en-US"/>
           </a:p>
         </c:txPr>
-        <c:crossAx val="1164241808"/>
+        <c:crossAx val="439217312"/>
         <c:crosses val="autoZero"/>
         <c:crossBetween val="midCat"/>
       </c:valAx>
       <c:valAx>
-        <c:axId val="1164241808"/>
+        <c:axId val="439217312"/>
         <c:scaling>
           <c:orientation val="minMax"/>
+          <c:min val="0.60000000000000009"/>
         </c:scaling>
         <c:delete val="0"/>
         <c:axPos val="l"/>
@@ -4899,7 +5522,7 @@
             <a:endParaRPr lang="en-US"/>
           </a:p>
         </c:txPr>
-        <c:crossAx val="1525067392"/>
+        <c:crossAx val="525357616"/>
         <c:crosses val="autoZero"/>
         <c:crossBetween val="midCat"/>
       </c:valAx>
@@ -6726,7 +7349,7 @@
           <a:p>
             <a:fld id="{79337810-0EB0-47AA-B221-7D7D2B45CB9C}" type="datetimeFigureOut">
               <a:rPr lang="en-US" smtClean="0"/>
-              <a:t>8/25/2020</a:t>
+              <a:t>8/27/2020</a:t>
             </a:fld>
             <a:endParaRPr lang="en-US"/>
           </a:p>
@@ -7308,7 +7931,7 @@
           <a:p>
             <a:fld id="{541BFB32-7587-42B3-AA13-4C9241B99837}" type="datetimeFigureOut">
               <a:rPr lang="en-US" smtClean="0"/>
-              <a:t>8/25/2020</a:t>
+              <a:t>8/27/2020</a:t>
             </a:fld>
             <a:endParaRPr lang="en-US"/>
           </a:p>
@@ -7506,7 +8129,7 @@
           <a:p>
             <a:fld id="{541BFB32-7587-42B3-AA13-4C9241B99837}" type="datetimeFigureOut">
               <a:rPr lang="en-US" smtClean="0"/>
-              <a:t>8/25/2020</a:t>
+              <a:t>8/27/2020</a:t>
             </a:fld>
             <a:endParaRPr lang="en-US"/>
           </a:p>
@@ -7714,7 +8337,7 @@
           <a:p>
             <a:fld id="{541BFB32-7587-42B3-AA13-4C9241B99837}" type="datetimeFigureOut">
               <a:rPr lang="en-US" smtClean="0"/>
-              <a:t>8/25/2020</a:t>
+              <a:t>8/27/2020</a:t>
             </a:fld>
             <a:endParaRPr lang="en-US"/>
           </a:p>
@@ -8019,7 +8642,7 @@
           <a:p>
             <a:fld id="{541BFB32-7587-42B3-AA13-4C9241B99837}" type="datetimeFigureOut">
               <a:rPr lang="en-US" smtClean="0"/>
-              <a:t>8/25/2020</a:t>
+              <a:t>8/27/2020</a:t>
             </a:fld>
             <a:endParaRPr lang="en-US"/>
           </a:p>
@@ -8284,7 +8907,7 @@
           <a:p>
             <a:fld id="{541BFB32-7587-42B3-AA13-4C9241B99837}" type="datetimeFigureOut">
               <a:rPr lang="en-US" smtClean="0"/>
-              <a:t>8/25/2020</a:t>
+              <a:t>8/27/2020</a:t>
             </a:fld>
             <a:endParaRPr lang="en-US"/>
           </a:p>
@@ -8696,7 +9319,7 @@
           <a:p>
             <a:fld id="{541BFB32-7587-42B3-AA13-4C9241B99837}" type="datetimeFigureOut">
               <a:rPr lang="en-US" smtClean="0"/>
-              <a:t>8/25/2020</a:t>
+              <a:t>8/27/2020</a:t>
             </a:fld>
             <a:endParaRPr lang="en-US"/>
           </a:p>
@@ -8837,7 +9460,7 @@
           <a:p>
             <a:fld id="{541BFB32-7587-42B3-AA13-4C9241B99837}" type="datetimeFigureOut">
               <a:rPr lang="en-US" smtClean="0"/>
-              <a:t>8/25/2020</a:t>
+              <a:t>8/27/2020</a:t>
             </a:fld>
             <a:endParaRPr lang="en-US"/>
           </a:p>
@@ -8950,7 +9573,7 @@
           <a:p>
             <a:fld id="{541BFB32-7587-42B3-AA13-4C9241B99837}" type="datetimeFigureOut">
               <a:rPr lang="en-US" smtClean="0"/>
-              <a:t>8/25/2020</a:t>
+              <a:t>8/27/2020</a:t>
             </a:fld>
             <a:endParaRPr lang="en-US"/>
           </a:p>
@@ -9261,7 +9884,7 @@
           <a:p>
             <a:fld id="{541BFB32-7587-42B3-AA13-4C9241B99837}" type="datetimeFigureOut">
               <a:rPr lang="en-US" smtClean="0"/>
-              <a:t>8/25/2020</a:t>
+              <a:t>8/27/2020</a:t>
             </a:fld>
             <a:endParaRPr lang="en-US"/>
           </a:p>
@@ -9549,7 +10172,7 @@
           <a:p>
             <a:fld id="{541BFB32-7587-42B3-AA13-4C9241B99837}" type="datetimeFigureOut">
               <a:rPr lang="en-US" smtClean="0"/>
-              <a:t>8/25/2020</a:t>
+              <a:t>8/27/2020</a:t>
             </a:fld>
             <a:endParaRPr lang="en-US"/>
           </a:p>
@@ -9790,7 +10413,7 @@
           <a:p>
             <a:fld id="{541BFB32-7587-42B3-AA13-4C9241B99837}" type="datetimeFigureOut">
               <a:rPr lang="en-US" smtClean="0"/>
-              <a:t>8/25/2020</a:t>
+              <a:t>8/27/2020</a:t>
             </a:fld>
             <a:endParaRPr lang="en-US"/>
           </a:p>
@@ -10209,10 +10832,10 @@
       </p:grpSpPr>
       <p:grpSp>
         <p:nvGrpSpPr>
-          <p:cNvPr id="13" name="Group 12">
+          <p:cNvPr id="21" name="Group 20">
             <a:extLst>
               <a:ext uri="{FF2B5EF4-FFF2-40B4-BE49-F238E27FC236}">
-                <a16:creationId xmlns:a16="http://schemas.microsoft.com/office/drawing/2014/main" id="{EC685E69-83C6-4F48-8387-498A7CB92238}"/>
+                <a16:creationId xmlns:a16="http://schemas.microsoft.com/office/drawing/2014/main" id="{067A8BC0-1D1E-47CF-85F1-888B193B3EEE}"/>
               </a:ext>
             </a:extLst>
           </p:cNvPr>
@@ -10227,120 +10850,246 @@
             <a:chExt cx="9604896" cy="5078098"/>
           </a:xfrm>
         </p:grpSpPr>
-        <p:pic>
-          <p:nvPicPr>
-            <p:cNvPr id="5" name="Picture 4" descr="A picture containing screenshot&#10;&#10;Description automatically generated">
+        <p:grpSp>
+          <p:nvGrpSpPr>
+            <p:cNvPr id="13" name="Group 12">
               <a:extLst>
                 <a:ext uri="{FF2B5EF4-FFF2-40B4-BE49-F238E27FC236}">
-                  <a16:creationId xmlns:a16="http://schemas.microsoft.com/office/drawing/2014/main" id="{314AA834-AA66-4996-A644-30D65035EECA}"/>
+                  <a16:creationId xmlns:a16="http://schemas.microsoft.com/office/drawing/2014/main" id="{EC685E69-83C6-4F48-8387-498A7CB92238}"/>
                 </a:ext>
               </a:extLst>
             </p:cNvPr>
-            <p:cNvPicPr>
-              <a:picLocks noChangeAspect="1"/>
-            </p:cNvPicPr>
+            <p:cNvGrpSpPr/>
             <p:nvPr/>
-          </p:nvPicPr>
-          <p:blipFill>
-            <a:blip r:embed="rId2">
-              <a:extLst>
-                <a:ext uri="{28A0092B-C50C-407E-A947-70E740481C1C}">
-                  <a14:useLocalDpi xmlns:a14="http://schemas.microsoft.com/office/drawing/2010/main" val="0"/>
-                </a:ext>
-              </a:extLst>
-            </a:blip>
-            <a:stretch>
-              <a:fillRect/>
-            </a:stretch>
-          </p:blipFill>
-          <p:spPr>
+          </p:nvGrpSpPr>
+          <p:grpSpPr>
             <a:xfrm>
-              <a:off x="1462192" y="3859474"/>
-              <a:ext cx="9604896" cy="1938131"/>
+              <a:off x="1462192" y="719507"/>
+              <a:ext cx="9604896" cy="5078098"/>
+              <a:chOff x="1462192" y="719507"/>
+              <a:chExt cx="9604896" cy="5078098"/>
             </a:xfrm>
-            <a:prstGeom prst="rect">
-              <a:avLst/>
-            </a:prstGeom>
-          </p:spPr>
-        </p:pic>
-        <p:pic>
-          <p:nvPicPr>
-            <p:cNvPr id="7" name="Picture 6" descr="A close up of a logo&#10;&#10;Description automatically generated">
+          </p:grpSpPr>
+          <p:pic>
+            <p:nvPicPr>
+              <p:cNvPr id="5" name="Picture 4" descr="A picture containing screenshot&#10;&#10;Description automatically generated">
+                <a:extLst>
+                  <a:ext uri="{FF2B5EF4-FFF2-40B4-BE49-F238E27FC236}">
+                    <a16:creationId xmlns:a16="http://schemas.microsoft.com/office/drawing/2014/main" id="{314AA834-AA66-4996-A644-30D65035EECA}"/>
+                  </a:ext>
+                </a:extLst>
+              </p:cNvPr>
+              <p:cNvPicPr>
+                <a:picLocks noChangeAspect="1"/>
+              </p:cNvPicPr>
+              <p:nvPr/>
+            </p:nvPicPr>
+            <p:blipFill>
+              <a:blip r:embed="rId2">
+                <a:extLst>
+                  <a:ext uri="{28A0092B-C50C-407E-A947-70E740481C1C}">
+                    <a14:useLocalDpi xmlns:a14="http://schemas.microsoft.com/office/drawing/2010/main" val="0"/>
+                  </a:ext>
+                </a:extLst>
+              </a:blip>
+              <a:stretch>
+                <a:fillRect/>
+              </a:stretch>
+            </p:blipFill>
+            <p:spPr>
+              <a:xfrm>
+                <a:off x="1462192" y="3859474"/>
+                <a:ext cx="9604896" cy="1938131"/>
+              </a:xfrm>
+              <a:prstGeom prst="rect">
+                <a:avLst/>
+              </a:prstGeom>
+            </p:spPr>
+          </p:pic>
+          <p:pic>
+            <p:nvPicPr>
+              <p:cNvPr id="7" name="Picture 6" descr="A close up of a logo&#10;&#10;Description automatically generated">
+                <a:extLst>
+                  <a:ext uri="{FF2B5EF4-FFF2-40B4-BE49-F238E27FC236}">
+                    <a16:creationId xmlns:a16="http://schemas.microsoft.com/office/drawing/2014/main" id="{17D21F44-C7D4-45BD-9DB8-FE4D82617EA4}"/>
+                  </a:ext>
+                </a:extLst>
+              </p:cNvPr>
+              <p:cNvPicPr>
+                <a:picLocks noChangeAspect="1"/>
+              </p:cNvPicPr>
+              <p:nvPr/>
+            </p:nvPicPr>
+            <p:blipFill>
+              <a:blip r:embed="rId3">
+                <a:extLst>
+                  <a:ext uri="{28A0092B-C50C-407E-A947-70E740481C1C}">
+                    <a14:useLocalDpi xmlns:a14="http://schemas.microsoft.com/office/drawing/2010/main" val="0"/>
+                  </a:ext>
+                </a:extLst>
+              </a:blip>
+              <a:stretch>
+                <a:fillRect/>
+              </a:stretch>
+            </p:blipFill>
+            <p:spPr>
+              <a:xfrm>
+                <a:off x="1462192" y="1088839"/>
+                <a:ext cx="4655737" cy="2396490"/>
+              </a:xfrm>
+              <a:prstGeom prst="rect">
+                <a:avLst/>
+              </a:prstGeom>
+            </p:spPr>
+          </p:pic>
+          <p:pic>
+            <p:nvPicPr>
+              <p:cNvPr id="9" name="Picture 8" descr="A close up of a logo&#10;&#10;Description automatically generated">
+                <a:extLst>
+                  <a:ext uri="{FF2B5EF4-FFF2-40B4-BE49-F238E27FC236}">
+                    <a16:creationId xmlns:a16="http://schemas.microsoft.com/office/drawing/2014/main" id="{202838CF-3DA0-486F-B375-D223809EADE7}"/>
+                  </a:ext>
+                </a:extLst>
+              </p:cNvPr>
+              <p:cNvPicPr>
+                <a:picLocks noChangeAspect="1"/>
+              </p:cNvPicPr>
+              <p:nvPr/>
+            </p:nvPicPr>
+            <p:blipFill>
+              <a:blip r:embed="rId4">
+                <a:extLst>
+                  <a:ext uri="{28A0092B-C50C-407E-A947-70E740481C1C}">
+                    <a14:useLocalDpi xmlns:a14="http://schemas.microsoft.com/office/drawing/2010/main" val="0"/>
+                  </a:ext>
+                </a:extLst>
+              </a:blip>
+              <a:stretch>
+                <a:fillRect/>
+              </a:stretch>
+            </p:blipFill>
+            <p:spPr>
+              <a:xfrm>
+                <a:off x="6411351" y="1139289"/>
+                <a:ext cx="4655737" cy="2331444"/>
+              </a:xfrm>
+              <a:prstGeom prst="rect">
+                <a:avLst/>
+              </a:prstGeom>
+            </p:spPr>
+          </p:pic>
+          <p:sp>
+            <p:nvSpPr>
+              <p:cNvPr id="10" name="TextBox 9">
+                <a:extLst>
+                  <a:ext uri="{FF2B5EF4-FFF2-40B4-BE49-F238E27FC236}">
+                    <a16:creationId xmlns:a16="http://schemas.microsoft.com/office/drawing/2014/main" id="{12960789-519F-4A47-B26D-9AA750972F17}"/>
+                  </a:ext>
+                </a:extLst>
+              </p:cNvPr>
+              <p:cNvSpPr txBox="1"/>
+              <p:nvPr/>
+            </p:nvSpPr>
+            <p:spPr>
+              <a:xfrm>
+                <a:off x="1462192" y="719507"/>
+                <a:ext cx="394705" cy="369332"/>
+              </a:xfrm>
+              <a:prstGeom prst="rect">
+                <a:avLst/>
+              </a:prstGeom>
+              <a:noFill/>
+            </p:spPr>
+            <p:txBody>
+              <a:bodyPr wrap="square" rtlCol="0">
+                <a:spAutoFit/>
+              </a:bodyPr>
+              <a:lstStyle/>
+              <a:p>
+                <a:r>
+                  <a:rPr lang="en-US" dirty="0"/>
+                  <a:t>a)</a:t>
+                </a:r>
+              </a:p>
+            </p:txBody>
+          </p:sp>
+          <p:sp>
+            <p:nvSpPr>
+              <p:cNvPr id="11" name="TextBox 10">
+                <a:extLst>
+                  <a:ext uri="{FF2B5EF4-FFF2-40B4-BE49-F238E27FC236}">
+                    <a16:creationId xmlns:a16="http://schemas.microsoft.com/office/drawing/2014/main" id="{88687DFD-2910-41B4-BA72-8EAECE45C8EB}"/>
+                  </a:ext>
+                </a:extLst>
+              </p:cNvPr>
+              <p:cNvSpPr txBox="1"/>
+              <p:nvPr/>
+            </p:nvSpPr>
+            <p:spPr>
+              <a:xfrm>
+                <a:off x="6411351" y="719507"/>
+                <a:ext cx="394705" cy="369332"/>
+              </a:xfrm>
+              <a:prstGeom prst="rect">
+                <a:avLst/>
+              </a:prstGeom>
+              <a:noFill/>
+            </p:spPr>
+            <p:txBody>
+              <a:bodyPr wrap="square" rtlCol="0">
+                <a:spAutoFit/>
+              </a:bodyPr>
+              <a:lstStyle/>
+              <a:p>
+                <a:r>
+                  <a:rPr lang="en-US" dirty="0"/>
+                  <a:t>b)</a:t>
+                </a:r>
+              </a:p>
+            </p:txBody>
+          </p:sp>
+          <p:sp>
+            <p:nvSpPr>
+              <p:cNvPr id="12" name="TextBox 11">
+                <a:extLst>
+                  <a:ext uri="{FF2B5EF4-FFF2-40B4-BE49-F238E27FC236}">
+                    <a16:creationId xmlns:a16="http://schemas.microsoft.com/office/drawing/2014/main" id="{7BEA21CE-1C7D-4100-B2C5-365B369BC79C}"/>
+                  </a:ext>
+                </a:extLst>
+              </p:cNvPr>
+              <p:cNvSpPr txBox="1"/>
+              <p:nvPr/>
+            </p:nvSpPr>
+            <p:spPr>
+              <a:xfrm>
+                <a:off x="1466470" y="3568454"/>
+                <a:ext cx="394705" cy="369332"/>
+              </a:xfrm>
+              <a:prstGeom prst="rect">
+                <a:avLst/>
+              </a:prstGeom>
+              <a:noFill/>
+            </p:spPr>
+            <p:txBody>
+              <a:bodyPr wrap="square" rtlCol="0">
+                <a:spAutoFit/>
+              </a:bodyPr>
+              <a:lstStyle/>
+              <a:p>
+                <a:r>
+                  <a:rPr lang="en-US" dirty="0"/>
+                  <a:t>c)</a:t>
+                </a:r>
+              </a:p>
+            </p:txBody>
+          </p:sp>
+        </p:grpSp>
+        <p:sp>
+          <p:nvSpPr>
+            <p:cNvPr id="3" name="TextBox 2">
               <a:extLst>
                 <a:ext uri="{FF2B5EF4-FFF2-40B4-BE49-F238E27FC236}">
-                  <a16:creationId xmlns:a16="http://schemas.microsoft.com/office/drawing/2014/main" id="{17D21F44-C7D4-45BD-9DB8-FE4D82617EA4}"/>
-                </a:ext>
-              </a:extLst>
-            </p:cNvPr>
-            <p:cNvPicPr>
-              <a:picLocks noChangeAspect="1"/>
-            </p:cNvPicPr>
-            <p:nvPr/>
-          </p:nvPicPr>
-          <p:blipFill>
-            <a:blip r:embed="rId3">
-              <a:extLst>
-                <a:ext uri="{28A0092B-C50C-407E-A947-70E740481C1C}">
-                  <a14:useLocalDpi xmlns:a14="http://schemas.microsoft.com/office/drawing/2010/main" val="0"/>
-                </a:ext>
-              </a:extLst>
-            </a:blip>
-            <a:stretch>
-              <a:fillRect/>
-            </a:stretch>
-          </p:blipFill>
-          <p:spPr>
-            <a:xfrm>
-              <a:off x="1462192" y="1088839"/>
-              <a:ext cx="4655737" cy="2396490"/>
-            </a:xfrm>
-            <a:prstGeom prst="rect">
-              <a:avLst/>
-            </a:prstGeom>
-          </p:spPr>
-        </p:pic>
-        <p:pic>
-          <p:nvPicPr>
-            <p:cNvPr id="9" name="Picture 8" descr="A close up of a logo&#10;&#10;Description automatically generated">
-              <a:extLst>
-                <a:ext uri="{FF2B5EF4-FFF2-40B4-BE49-F238E27FC236}">
-                  <a16:creationId xmlns:a16="http://schemas.microsoft.com/office/drawing/2014/main" id="{202838CF-3DA0-486F-B375-D223809EADE7}"/>
-                </a:ext>
-              </a:extLst>
-            </p:cNvPr>
-            <p:cNvPicPr>
-              <a:picLocks noChangeAspect="1"/>
-            </p:cNvPicPr>
-            <p:nvPr/>
-          </p:nvPicPr>
-          <p:blipFill>
-            <a:blip r:embed="rId4">
-              <a:extLst>
-                <a:ext uri="{28A0092B-C50C-407E-A947-70E740481C1C}">
-                  <a14:useLocalDpi xmlns:a14="http://schemas.microsoft.com/office/drawing/2010/main" val="0"/>
-                </a:ext>
-              </a:extLst>
-            </a:blip>
-            <a:stretch>
-              <a:fillRect/>
-            </a:stretch>
-          </p:blipFill>
-          <p:spPr>
-            <a:xfrm>
-              <a:off x="6411351" y="1139289"/>
-              <a:ext cx="4655737" cy="2331444"/>
-            </a:xfrm>
-            <a:prstGeom prst="rect">
-              <a:avLst/>
-            </a:prstGeom>
-          </p:spPr>
-        </p:pic>
-        <p:sp>
-          <p:nvSpPr>
-            <p:cNvPr id="10" name="TextBox 9">
-              <a:extLst>
-                <a:ext uri="{FF2B5EF4-FFF2-40B4-BE49-F238E27FC236}">
-                  <a16:creationId xmlns:a16="http://schemas.microsoft.com/office/drawing/2014/main" id="{12960789-519F-4A47-B26D-9AA750972F17}"/>
+                  <a16:creationId xmlns:a16="http://schemas.microsoft.com/office/drawing/2014/main" id="{70B364F5-242D-40A9-8D3A-44D3B2FB9103}"/>
                 </a:ext>
               </a:extLst>
             </p:cNvPr>
@@ -10349,8 +11098,8 @@
           </p:nvSpPr>
           <p:spPr>
             <a:xfrm>
-              <a:off x="1462192" y="719507"/>
-              <a:ext cx="394705" cy="369332"/>
+              <a:off x="2572598" y="5252473"/>
+              <a:ext cx="297180" cy="276999"/>
             </a:xfrm>
             <a:prstGeom prst="rect">
               <a:avLst/>
@@ -10364,18 +11113,24 @@
             <a:lstStyle/>
             <a:p>
               <a:r>
-                <a:rPr lang="en-US" dirty="0"/>
-                <a:t>a)</a:t>
+                <a:rPr lang="en-US" sz="1200" dirty="0">
+                  <a:solidFill>
+                    <a:schemeClr val="accent6">
+                      <a:lumMod val="50000"/>
+                    </a:schemeClr>
+                  </a:solidFill>
+                </a:rPr>
+                <a:t>B</a:t>
               </a:r>
             </a:p>
           </p:txBody>
         </p:sp>
         <p:sp>
           <p:nvSpPr>
-            <p:cNvPr id="11" name="TextBox 10">
+            <p:cNvPr id="4" name="TextBox 3">
               <a:extLst>
                 <a:ext uri="{FF2B5EF4-FFF2-40B4-BE49-F238E27FC236}">
-                  <a16:creationId xmlns:a16="http://schemas.microsoft.com/office/drawing/2014/main" id="{88687DFD-2910-41B4-BA72-8EAECE45C8EB}"/>
+                  <a16:creationId xmlns:a16="http://schemas.microsoft.com/office/drawing/2014/main" id="{1A284041-8F1E-4568-8E2F-3C1B43CE2810}"/>
                 </a:ext>
               </a:extLst>
             </p:cNvPr>
@@ -10384,8 +11139,8 @@
           </p:nvSpPr>
           <p:spPr>
             <a:xfrm>
-              <a:off x="6411351" y="719507"/>
-              <a:ext cx="394705" cy="369332"/>
+              <a:off x="1943100" y="5252474"/>
+              <a:ext cx="297180" cy="276999"/>
             </a:xfrm>
             <a:prstGeom prst="rect">
               <a:avLst/>
@@ -10399,18 +11154,24 @@
             <a:lstStyle/>
             <a:p>
               <a:r>
-                <a:rPr lang="en-US" dirty="0"/>
-                <a:t>b)</a:t>
+                <a:rPr lang="en-US" sz="1200" dirty="0">
+                  <a:solidFill>
+                    <a:schemeClr val="accent6">
+                      <a:lumMod val="50000"/>
+                    </a:schemeClr>
+                  </a:solidFill>
+                </a:rPr>
+                <a:t>A</a:t>
               </a:r>
             </a:p>
           </p:txBody>
         </p:sp>
         <p:sp>
           <p:nvSpPr>
-            <p:cNvPr id="12" name="TextBox 11">
+            <p:cNvPr id="6" name="TextBox 5">
               <a:extLst>
                 <a:ext uri="{FF2B5EF4-FFF2-40B4-BE49-F238E27FC236}">
-                  <a16:creationId xmlns:a16="http://schemas.microsoft.com/office/drawing/2014/main" id="{7BEA21CE-1C7D-4100-B2C5-365B369BC79C}"/>
+                  <a16:creationId xmlns:a16="http://schemas.microsoft.com/office/drawing/2014/main" id="{3CE92F3F-0A32-4978-956B-539E87FE0288}"/>
                 </a:ext>
               </a:extLst>
             </p:cNvPr>
@@ -10419,8 +11180,8 @@
           </p:nvSpPr>
           <p:spPr>
             <a:xfrm>
-              <a:off x="1466470" y="3568454"/>
-              <a:ext cx="394705" cy="369332"/>
+              <a:off x="2481158" y="4025653"/>
+              <a:ext cx="297180" cy="276999"/>
             </a:xfrm>
             <a:prstGeom prst="rect">
               <a:avLst/>
@@ -10434,8 +11195,137 @@
             <a:lstStyle/>
             <a:p>
               <a:r>
-                <a:rPr lang="en-US" dirty="0"/>
-                <a:t>c)</a:t>
+                <a:rPr lang="en-US" sz="1200" dirty="0">
+                  <a:solidFill>
+                    <a:schemeClr val="accent6">
+                      <a:lumMod val="50000"/>
+                    </a:schemeClr>
+                  </a:solidFill>
+                </a:rPr>
+                <a:t>C</a:t>
+              </a:r>
+            </a:p>
+          </p:txBody>
+        </p:sp>
+        <p:sp>
+          <p:nvSpPr>
+            <p:cNvPr id="8" name="TextBox 7">
+              <a:extLst>
+                <a:ext uri="{FF2B5EF4-FFF2-40B4-BE49-F238E27FC236}">
+                  <a16:creationId xmlns:a16="http://schemas.microsoft.com/office/drawing/2014/main" id="{6403F521-3A9C-4FFC-8D8D-FEE9E6A35014}"/>
+                </a:ext>
+              </a:extLst>
+            </p:cNvPr>
+            <p:cNvSpPr txBox="1"/>
+            <p:nvPr/>
+          </p:nvSpPr>
+          <p:spPr>
+            <a:xfrm>
+              <a:off x="3797304" y="4025653"/>
+              <a:ext cx="297180" cy="276999"/>
+            </a:xfrm>
+            <a:prstGeom prst="rect">
+              <a:avLst/>
+            </a:prstGeom>
+            <a:noFill/>
+          </p:spPr>
+          <p:txBody>
+            <a:bodyPr wrap="square" rtlCol="0">
+              <a:spAutoFit/>
+            </a:bodyPr>
+            <a:lstStyle/>
+            <a:p>
+              <a:r>
+                <a:rPr lang="en-US" sz="1200" dirty="0">
+                  <a:solidFill>
+                    <a:schemeClr val="accent6">
+                      <a:lumMod val="50000"/>
+                    </a:schemeClr>
+                  </a:solidFill>
+                </a:rPr>
+                <a:t>D</a:t>
+              </a:r>
+            </a:p>
+          </p:txBody>
+        </p:sp>
+        <p:sp>
+          <p:nvSpPr>
+            <p:cNvPr id="18" name="TextBox 17">
+              <a:extLst>
+                <a:ext uri="{FF2B5EF4-FFF2-40B4-BE49-F238E27FC236}">
+                  <a16:creationId xmlns:a16="http://schemas.microsoft.com/office/drawing/2014/main" id="{1EFF0977-BA5D-48C0-8504-3CC2F894DB03}"/>
+                </a:ext>
+              </a:extLst>
+            </p:cNvPr>
+            <p:cNvSpPr txBox="1"/>
+            <p:nvPr/>
+          </p:nvSpPr>
+          <p:spPr>
+            <a:xfrm>
+              <a:off x="3797304" y="5252472"/>
+              <a:ext cx="297180" cy="276999"/>
+            </a:xfrm>
+            <a:prstGeom prst="rect">
+              <a:avLst/>
+            </a:prstGeom>
+            <a:noFill/>
+          </p:spPr>
+          <p:txBody>
+            <a:bodyPr wrap="square" rtlCol="0">
+              <a:spAutoFit/>
+            </a:bodyPr>
+            <a:lstStyle/>
+            <a:p>
+              <a:r>
+                <a:rPr lang="en-US" sz="1200" dirty="0">
+                  <a:solidFill>
+                    <a:schemeClr val="accent6">
+                      <a:lumMod val="50000"/>
+                    </a:schemeClr>
+                  </a:solidFill>
+                </a:rPr>
+                <a:t>E</a:t>
+              </a:r>
+            </a:p>
+          </p:txBody>
+        </p:sp>
+        <p:sp>
+          <p:nvSpPr>
+            <p:cNvPr id="20" name="TextBox 19">
+              <a:extLst>
+                <a:ext uri="{FF2B5EF4-FFF2-40B4-BE49-F238E27FC236}">
+                  <a16:creationId xmlns:a16="http://schemas.microsoft.com/office/drawing/2014/main" id="{925F45EE-0CD4-4BAA-A04D-4695DE0816F5}"/>
+                </a:ext>
+              </a:extLst>
+            </p:cNvPr>
+            <p:cNvSpPr txBox="1"/>
+            <p:nvPr/>
+          </p:nvSpPr>
+          <p:spPr>
+            <a:xfrm>
+              <a:off x="8590629" y="4963744"/>
+              <a:ext cx="297180" cy="276999"/>
+            </a:xfrm>
+            <a:prstGeom prst="rect">
+              <a:avLst/>
+            </a:prstGeom>
+            <a:noFill/>
+          </p:spPr>
+          <p:txBody>
+            <a:bodyPr wrap="square" rtlCol="0">
+              <a:spAutoFit/>
+            </a:bodyPr>
+            <a:lstStyle/>
+            <a:p>
+              <a:r>
+                <a:rPr lang="en-US" sz="1200" dirty="0">
+                  <a:solidFill>
+                    <a:schemeClr val="accent6">
+                      <a:lumMod val="50000"/>
+                    </a:schemeClr>
+                  </a:solidFill>
+                </a:rPr>
+                <a:t>F</a:t>
               </a:r>
             </a:p>
           </p:txBody>
@@ -10727,10 +11617,10 @@
       </p:grpSpPr>
       <p:graphicFrame>
         <p:nvGraphicFramePr>
-          <p:cNvPr id="5" name="Chart 4">
+          <p:cNvPr id="8" name="Chart 7">
             <a:extLst>
               <a:ext uri="{FF2B5EF4-FFF2-40B4-BE49-F238E27FC236}">
-                <a16:creationId xmlns:a16="http://schemas.microsoft.com/office/drawing/2014/main" id="{F948BBF7-CCA6-4475-B6D7-541722579D97}"/>
+                <a16:creationId xmlns:a16="http://schemas.microsoft.com/office/drawing/2014/main" id="{6A031E0A-1A32-4F67-86B6-325F6C179CFD}"/>
               </a:ext>
             </a:extLst>
           </p:cNvPr>
@@ -10740,14 +11630,14 @@
           <p:nvPr>
             <p:extLst>
               <p:ext uri="{D42A27DB-BD31-4B8C-83A1-F6EECF244321}">
-                <p14:modId xmlns:p14="http://schemas.microsoft.com/office/powerpoint/2010/main" val="3165394570"/>
+                <p14:modId xmlns:p14="http://schemas.microsoft.com/office/powerpoint/2010/main" val="48905556"/>
               </p:ext>
             </p:extLst>
           </p:nvPr>
         </p:nvGraphicFramePr>
         <p:xfrm>
-          <a:off x="1062036" y="2057400"/>
-          <a:ext cx="3495675" cy="2743200"/>
+          <a:off x="4241006" y="2057400"/>
+          <a:ext cx="3898104" cy="2743200"/>
         </p:xfrm>
         <a:graphic>
           <a:graphicData uri="http://schemas.openxmlformats.org/drawingml/2006/chart">
@@ -10757,10 +11647,10 @@
       </p:graphicFrame>
       <p:graphicFrame>
         <p:nvGraphicFramePr>
-          <p:cNvPr id="6" name="Chart 5">
+          <p:cNvPr id="9" name="Chart 8">
             <a:extLst>
               <a:ext uri="{FF2B5EF4-FFF2-40B4-BE49-F238E27FC236}">
-                <a16:creationId xmlns:a16="http://schemas.microsoft.com/office/drawing/2014/main" id="{254ECB62-0F4E-4B48-84C4-D0D6F8C53E7A}"/>
+                <a16:creationId xmlns:a16="http://schemas.microsoft.com/office/drawing/2014/main" id="{4108CED3-0BB1-49E2-94E1-74ECF9D4F2A6}"/>
               </a:ext>
             </a:extLst>
           </p:cNvPr>
@@ -10770,14 +11660,14 @@
           <p:nvPr>
             <p:extLst>
               <p:ext uri="{D42A27DB-BD31-4B8C-83A1-F6EECF244321}">
-                <p14:modId xmlns:p14="http://schemas.microsoft.com/office/powerpoint/2010/main" val="3539824017"/>
+                <p14:modId xmlns:p14="http://schemas.microsoft.com/office/powerpoint/2010/main" val="4191462008"/>
               </p:ext>
             </p:extLst>
           </p:nvPr>
         </p:nvGraphicFramePr>
         <p:xfrm>
-          <a:off x="4557711" y="2062162"/>
-          <a:ext cx="3495675" cy="2743200"/>
+          <a:off x="342900" y="2057400"/>
+          <a:ext cx="3898106" cy="2743200"/>
         </p:xfrm>
         <a:graphic>
           <a:graphicData uri="http://schemas.openxmlformats.org/drawingml/2006/chart">
@@ -10787,10 +11677,10 @@
       </p:graphicFrame>
       <p:graphicFrame>
         <p:nvGraphicFramePr>
-          <p:cNvPr id="7" name="Chart 6">
+          <p:cNvPr id="10" name="Chart 9">
             <a:extLst>
               <a:ext uri="{FF2B5EF4-FFF2-40B4-BE49-F238E27FC236}">
-                <a16:creationId xmlns:a16="http://schemas.microsoft.com/office/drawing/2014/main" id="{D18EE96E-9192-4DAA-8DB2-EC7BAC79A5AB}"/>
+                <a16:creationId xmlns:a16="http://schemas.microsoft.com/office/drawing/2014/main" id="{A9A7D96F-FAC7-4346-9C4C-271993396106}"/>
               </a:ext>
             </a:extLst>
           </p:cNvPr>
@@ -10800,14 +11690,14 @@
           <p:nvPr>
             <p:extLst>
               <p:ext uri="{D42A27DB-BD31-4B8C-83A1-F6EECF244321}">
-                <p14:modId xmlns:p14="http://schemas.microsoft.com/office/powerpoint/2010/main" val="1728077194"/>
+                <p14:modId xmlns:p14="http://schemas.microsoft.com/office/powerpoint/2010/main" val="3148687965"/>
               </p:ext>
             </p:extLst>
           </p:nvPr>
         </p:nvGraphicFramePr>
         <p:xfrm>
-          <a:off x="8062912" y="2062162"/>
-          <a:ext cx="3495675" cy="2743200"/>
+          <a:off x="8139112" y="2057400"/>
+          <a:ext cx="3898104" cy="2743200"/>
         </p:xfrm>
         <a:graphic>
           <a:graphicData uri="http://schemas.openxmlformats.org/drawingml/2006/chart">
@@ -10847,10 +11737,10 @@
       </p:grpSpPr>
       <p:pic>
         <p:nvPicPr>
-          <p:cNvPr id="4" name="Picture 3">
+          <p:cNvPr id="3" name="Picture 2">
             <a:extLst>
               <a:ext uri="{FF2B5EF4-FFF2-40B4-BE49-F238E27FC236}">
-                <a16:creationId xmlns:a16="http://schemas.microsoft.com/office/drawing/2014/main" id="{61126E2E-E0E0-4070-969B-501BF629674F}"/>
+                <a16:creationId xmlns:a16="http://schemas.microsoft.com/office/drawing/2014/main" id="{9709294F-6143-4419-BE7F-A328EEB81553}"/>
               </a:ext>
             </a:extLst>
           </p:cNvPr>
@@ -10867,8 +11757,8 @@
         </p:blipFill>
         <p:spPr>
           <a:xfrm>
-            <a:off x="846889" y="2057281"/>
-            <a:ext cx="10498222" cy="2743438"/>
+            <a:off x="246381" y="2060329"/>
+            <a:ext cx="11699238" cy="2737341"/>
           </a:xfrm>
           <a:prstGeom prst="rect">
             <a:avLst/>
@@ -10907,10 +11797,10 @@
       </p:grpSpPr>
       <p:pic>
         <p:nvPicPr>
-          <p:cNvPr id="5" name="Picture 4">
+          <p:cNvPr id="3" name="Picture 2">
             <a:extLst>
               <a:ext uri="{FF2B5EF4-FFF2-40B4-BE49-F238E27FC236}">
-                <a16:creationId xmlns:a16="http://schemas.microsoft.com/office/drawing/2014/main" id="{49DE22B9-01C6-4AC7-B71F-13C3630657FD}"/>
+                <a16:creationId xmlns:a16="http://schemas.microsoft.com/office/drawing/2014/main" id="{929339A2-9751-471E-A8AA-88389350F8EA}"/>
               </a:ext>
             </a:extLst>
           </p:cNvPr>
